--- a/Документация/Мошков.pptx
+++ b/Документация/Мошков.pptx
@@ -216,7 +216,7 @@
           <a:p>
             <a:fld id="{B38263CE-E13A-49F7-AA40-C2BC4B27E234}" type="datetimeFigureOut">
               <a:rPr lang="ru-RU" smtClean="0"/>
-              <a:t>08.06.2021</a:t>
+              <a:t>18.06.2023</a:t>
             </a:fld>
             <a:endParaRPr lang="ru-RU"/>
           </a:p>
@@ -861,7 +861,7 @@
           <a:p>
             <a:fld id="{52137D05-7FB1-4359-BDE2-9C5DB88752B3}" type="datetimeFigureOut">
               <a:rPr lang="ru-RU" smtClean="0"/>
-              <a:t>08.06.2021</a:t>
+              <a:t>18.06.2023</a:t>
             </a:fld>
             <a:endParaRPr lang="ru-RU" dirty="0"/>
           </a:p>
@@ -1031,7 +1031,7 @@
           <a:p>
             <a:fld id="{52137D05-7FB1-4359-BDE2-9C5DB88752B3}" type="datetimeFigureOut">
               <a:rPr lang="ru-RU" smtClean="0"/>
-              <a:t>08.06.2021</a:t>
+              <a:t>18.06.2023</a:t>
             </a:fld>
             <a:endParaRPr lang="ru-RU" dirty="0"/>
           </a:p>
@@ -1211,7 +1211,7 @@
           <a:p>
             <a:fld id="{52137D05-7FB1-4359-BDE2-9C5DB88752B3}" type="datetimeFigureOut">
               <a:rPr lang="ru-RU" smtClean="0"/>
-              <a:t>08.06.2021</a:t>
+              <a:t>18.06.2023</a:t>
             </a:fld>
             <a:endParaRPr lang="ru-RU" dirty="0"/>
           </a:p>
@@ -1381,7 +1381,7 @@
           <a:p>
             <a:fld id="{52137D05-7FB1-4359-BDE2-9C5DB88752B3}" type="datetimeFigureOut">
               <a:rPr lang="ru-RU" smtClean="0"/>
-              <a:t>08.06.2021</a:t>
+              <a:t>18.06.2023</a:t>
             </a:fld>
             <a:endParaRPr lang="ru-RU" dirty="0"/>
           </a:p>
@@ -1627,7 +1627,7 @@
           <a:p>
             <a:fld id="{52137D05-7FB1-4359-BDE2-9C5DB88752B3}" type="datetimeFigureOut">
               <a:rPr lang="ru-RU" smtClean="0"/>
-              <a:t>08.06.2021</a:t>
+              <a:t>18.06.2023</a:t>
             </a:fld>
             <a:endParaRPr lang="ru-RU" dirty="0"/>
           </a:p>
@@ -1915,7 +1915,7 @@
           <a:p>
             <a:fld id="{52137D05-7FB1-4359-BDE2-9C5DB88752B3}" type="datetimeFigureOut">
               <a:rPr lang="ru-RU" smtClean="0"/>
-              <a:t>08.06.2021</a:t>
+              <a:t>18.06.2023</a:t>
             </a:fld>
             <a:endParaRPr lang="ru-RU" dirty="0"/>
           </a:p>
@@ -2337,7 +2337,7 @@
           <a:p>
             <a:fld id="{52137D05-7FB1-4359-BDE2-9C5DB88752B3}" type="datetimeFigureOut">
               <a:rPr lang="ru-RU" smtClean="0"/>
-              <a:t>08.06.2021</a:t>
+              <a:t>18.06.2023</a:t>
             </a:fld>
             <a:endParaRPr lang="ru-RU" dirty="0"/>
           </a:p>
@@ -2455,7 +2455,7 @@
           <a:p>
             <a:fld id="{52137D05-7FB1-4359-BDE2-9C5DB88752B3}" type="datetimeFigureOut">
               <a:rPr lang="ru-RU" smtClean="0"/>
-              <a:t>08.06.2021</a:t>
+              <a:t>18.06.2023</a:t>
             </a:fld>
             <a:endParaRPr lang="ru-RU" dirty="0"/>
           </a:p>
@@ -2550,7 +2550,7 @@
           <a:p>
             <a:fld id="{52137D05-7FB1-4359-BDE2-9C5DB88752B3}" type="datetimeFigureOut">
               <a:rPr lang="ru-RU" smtClean="0"/>
-              <a:t>08.06.2021</a:t>
+              <a:t>18.06.2023</a:t>
             </a:fld>
             <a:endParaRPr lang="ru-RU" dirty="0"/>
           </a:p>
@@ -2827,7 +2827,7 @@
           <a:p>
             <a:fld id="{52137D05-7FB1-4359-BDE2-9C5DB88752B3}" type="datetimeFigureOut">
               <a:rPr lang="ru-RU" smtClean="0"/>
-              <a:t>08.06.2021</a:t>
+              <a:t>18.06.2023</a:t>
             </a:fld>
             <a:endParaRPr lang="ru-RU" dirty="0"/>
           </a:p>
@@ -3080,7 +3080,7 @@
           <a:p>
             <a:fld id="{52137D05-7FB1-4359-BDE2-9C5DB88752B3}" type="datetimeFigureOut">
               <a:rPr lang="ru-RU" smtClean="0"/>
-              <a:t>08.06.2021</a:t>
+              <a:t>18.06.2023</a:t>
             </a:fld>
             <a:endParaRPr lang="ru-RU" dirty="0"/>
           </a:p>
@@ -3293,7 +3293,7 @@
           <a:p>
             <a:fld id="{52137D05-7FB1-4359-BDE2-9C5DB88752B3}" type="datetimeFigureOut">
               <a:rPr lang="ru-RU" smtClean="0"/>
-              <a:t>08.06.2021</a:t>
+              <a:t>18.06.2023</a:t>
             </a:fld>
             <a:endParaRPr lang="ru-RU" dirty="0"/>
           </a:p>
@@ -3692,9 +3692,8 @@
           <a:p>
             <a:r>
               <a:rPr lang="ru-RU" sz="3600" b="1" u="sng" dirty="0"/>
-              <a:t>Информационная система сервиса доставки фермерских продуктов</a:t>
-            </a:r>
-            <a:endParaRPr lang="ru-RU" sz="3600" b="1" u="sng" dirty="0"/>
+              <a:t>Служба доставки еды «Шеф»</a:t>
+            </a:r>
           </a:p>
         </p:txBody>
       </p:sp>
@@ -3764,7 +3763,7 @@
                 </a:solidFill>
                 <a:cs typeface="Times New Roman" pitchFamily="18" charset="0"/>
               </a:rPr>
-              <a:t>177</a:t>
+              <a:t>195</a:t>
             </a:r>
             <a:r>
               <a:rPr lang="en-US" sz="2000" dirty="0" smtClean="0">
@@ -3785,22 +3784,13 @@
           <a:p>
             <a:pPr algn="l"/>
             <a:r>
-              <a:rPr lang="ru-RU" sz="2000" b="1" dirty="0" err="1" smtClean="0">
+              <a:rPr lang="ru-RU" sz="2000" b="1" dirty="0" smtClean="0">
                 <a:solidFill>
                   <a:schemeClr val="tx1"/>
                 </a:solidFill>
                 <a:cs typeface="Times New Roman" pitchFamily="18" charset="0"/>
               </a:rPr>
-              <a:t>Жарковой</a:t>
-            </a:r>
-            <a:r>
-              <a:rPr lang="ru-RU" sz="2000" b="1" dirty="0" smtClean="0">
-                <a:solidFill>
-                  <a:schemeClr val="tx1"/>
-                </a:solidFill>
-                <a:cs typeface="Times New Roman" pitchFamily="18" charset="0"/>
-              </a:rPr>
-              <a:t> К.Э.</a:t>
+              <a:t>Мошкова Р.Д.</a:t>
             </a:r>
             <a:endParaRPr lang="en-US" sz="2000" b="1" dirty="0" smtClean="0">
               <a:solidFill>
@@ -3839,13 +3829,22 @@
           <a:p>
             <a:pPr algn="l"/>
             <a:r>
-              <a:rPr lang="ru-RU" sz="2000" dirty="0" smtClean="0">
+              <a:rPr lang="ru-RU" sz="2000" dirty="0">
                 <a:solidFill>
                   <a:schemeClr val="tx1"/>
                 </a:solidFill>
                 <a:cs typeface="Times New Roman" pitchFamily="18" charset="0"/>
               </a:rPr>
-              <a:t>Родионова А.А.</a:t>
+              <a:t>Калягин И.И</a:t>
+            </a:r>
+            <a:r>
+              <a:rPr lang="ru-RU" sz="2000" dirty="0" smtClean="0">
+                <a:solidFill>
+                  <a:schemeClr val="tx1"/>
+                </a:solidFill>
+                <a:cs typeface="Times New Roman" pitchFamily="18" charset="0"/>
+              </a:rPr>
+              <a:t>.</a:t>
             </a:r>
             <a:endParaRPr lang="ru-RU" sz="2000" dirty="0">
               <a:solidFill>
@@ -3951,19 +3950,11 @@
             </a:r>
             <a:r>
               <a:rPr lang="ru-RU" dirty="0" smtClean="0"/>
-              <a:t>для реализации и </a:t>
-            </a:r>
-            <a:r>
-              <a:rPr lang="ru-RU" dirty="0"/>
-              <a:t>доставки </a:t>
+              <a:t>автоматизации работы </a:t>
             </a:r>
             <a:r>
               <a:rPr lang="ru-RU" dirty="0" smtClean="0"/>
-              <a:t>фермерских продуктов </a:t>
-            </a:r>
-            <a:r>
-              <a:rPr lang="ru-RU" dirty="0"/>
-              <a:t>питания и сопутствующих товаров</a:t>
+              <a:t>службы по доставке еды</a:t>
             </a:r>
             <a:endParaRPr lang="ru-RU" sz="2800" dirty="0" smtClean="0">
               <a:latin typeface="+mj-lt"/>
@@ -5025,8 +5016,19 @@
                 <a:latin typeface="Arial" pitchFamily="34" charset="0"/>
                 <a:cs typeface="Arial" pitchFamily="34" charset="0"/>
               </a:rPr>
-              <a:t>в системе как продавец и как покупатель</a:t>
-            </a:r>
+              <a:t>в системе как </a:t>
+            </a:r>
+            <a:r>
+              <a:rPr lang="ru-RU" dirty="0" smtClean="0">
+                <a:latin typeface="Arial" pitchFamily="34" charset="0"/>
+                <a:cs typeface="Arial" pitchFamily="34" charset="0"/>
+              </a:rPr>
+              <a:t>покупатель</a:t>
+            </a:r>
+            <a:endParaRPr lang="ru-RU" dirty="0">
+              <a:latin typeface="Arial" pitchFamily="34" charset="0"/>
+              <a:cs typeface="Arial" pitchFamily="34" charset="0"/>
+            </a:endParaRPr>
           </a:p>
           <a:p>
             <a:pPr algn="just">
@@ -5579,7 +5581,7 @@
           <a:graphicData uri="http://schemas.openxmlformats.org/presentationml/2006/ole">
             <mc:AlternateContent xmlns:mc="http://schemas.openxmlformats.org/markup-compatibility/2006">
               <mc:Choice xmlns:v="urn:schemas-microsoft-com:vml" Requires="v">
-                <p:oleObj spid="_x0000_s1076" name="Visio" r:id="rId3" imgW="26943996" imgH="22200349" progId="Visio.Drawing.11">
+                <p:oleObj spid="_x0000_s1079" name="Visio" r:id="rId3" imgW="26943996" imgH="22200349" progId="Visio.Drawing.11">
                   <p:embed/>
                 </p:oleObj>
               </mc:Choice>
@@ -5849,7 +5851,7 @@
       </p:sp>
       <p:pic>
         <p:nvPicPr>
-          <p:cNvPr id="2" name="Рисунок 1"/>
+          <p:cNvPr id="3" name="Рисунок 2"/>
           <p:cNvPicPr>
             <a:picLocks noChangeAspect="1"/>
           </p:cNvPicPr>
@@ -5863,8 +5865,8 @@
         </p:blipFill>
         <p:spPr>
           <a:xfrm>
-            <a:off x="1259632" y="980728"/>
-            <a:ext cx="6120680" cy="5473120"/>
+            <a:off x="521399" y="1113000"/>
+            <a:ext cx="8101201" cy="4632000"/>
           </a:xfrm>
           <a:prstGeom prst="rect">
             <a:avLst/>
@@ -5936,7 +5938,7 @@
       </p:sp>
       <p:pic>
         <p:nvPicPr>
-          <p:cNvPr id="2" name="Рисунок 1"/>
+          <p:cNvPr id="3" name="Рисунок 2"/>
           <p:cNvPicPr>
             <a:picLocks noChangeAspect="1"/>
           </p:cNvPicPr>
@@ -5950,8 +5952,8 @@
         </p:blipFill>
         <p:spPr>
           <a:xfrm>
-            <a:off x="1751886" y="1556792"/>
-            <a:ext cx="5963755" cy="4453309"/>
+            <a:off x="971600" y="1340768"/>
+            <a:ext cx="7246054" cy="5383560"/>
           </a:xfrm>
           <a:prstGeom prst="rect">
             <a:avLst/>
